--- a/Lecture/[01]PythonCoban.pptx
+++ b/Lecture/[01]PythonCoban.pptx
@@ -314,7 +314,7 @@
           <a:p>
             <a:fld id="{13AB114A-89FD-4544-A40B-4EAEBEB5F2F1}" type="datetimeFigureOut">
               <a:rPr lang="en-US" smtClean="0"/>
-              <a:t>2/26/2020</a:t>
+              <a:t>4/13/2020</a:t>
             </a:fld>
             <a:endParaRPr lang="en-US"/>
           </a:p>
@@ -512,7 +512,7 @@
           <a:p>
             <a:fld id="{13AB114A-89FD-4544-A40B-4EAEBEB5F2F1}" type="datetimeFigureOut">
               <a:rPr lang="en-US" smtClean="0"/>
-              <a:t>2/26/2020</a:t>
+              <a:t>4/13/2020</a:t>
             </a:fld>
             <a:endParaRPr lang="en-US"/>
           </a:p>
@@ -720,7 +720,7 @@
           <a:p>
             <a:fld id="{13AB114A-89FD-4544-A40B-4EAEBEB5F2F1}" type="datetimeFigureOut">
               <a:rPr lang="en-US" smtClean="0"/>
-              <a:t>2/26/2020</a:t>
+              <a:t>4/13/2020</a:t>
             </a:fld>
             <a:endParaRPr lang="en-US"/>
           </a:p>
@@ -918,7 +918,7 @@
           <a:p>
             <a:fld id="{13AB114A-89FD-4544-A40B-4EAEBEB5F2F1}" type="datetimeFigureOut">
               <a:rPr lang="en-US" smtClean="0"/>
-              <a:t>2/26/2020</a:t>
+              <a:t>4/13/2020</a:t>
             </a:fld>
             <a:endParaRPr lang="en-US"/>
           </a:p>
@@ -1193,7 +1193,7 @@
           <a:p>
             <a:fld id="{13AB114A-89FD-4544-A40B-4EAEBEB5F2F1}" type="datetimeFigureOut">
               <a:rPr lang="en-US" smtClean="0"/>
-              <a:t>2/26/2020</a:t>
+              <a:t>4/13/2020</a:t>
             </a:fld>
             <a:endParaRPr lang="en-US"/>
           </a:p>
@@ -1458,7 +1458,7 @@
           <a:p>
             <a:fld id="{13AB114A-89FD-4544-A40B-4EAEBEB5F2F1}" type="datetimeFigureOut">
               <a:rPr lang="en-US" smtClean="0"/>
-              <a:t>2/26/2020</a:t>
+              <a:t>4/13/2020</a:t>
             </a:fld>
             <a:endParaRPr lang="en-US"/>
           </a:p>
@@ -1870,7 +1870,7 @@
           <a:p>
             <a:fld id="{13AB114A-89FD-4544-A40B-4EAEBEB5F2F1}" type="datetimeFigureOut">
               <a:rPr lang="en-US" smtClean="0"/>
-              <a:t>2/26/2020</a:t>
+              <a:t>4/13/2020</a:t>
             </a:fld>
             <a:endParaRPr lang="en-US"/>
           </a:p>
@@ -2011,7 +2011,7 @@
           <a:p>
             <a:fld id="{13AB114A-89FD-4544-A40B-4EAEBEB5F2F1}" type="datetimeFigureOut">
               <a:rPr lang="en-US" smtClean="0"/>
-              <a:t>2/26/2020</a:t>
+              <a:t>4/13/2020</a:t>
             </a:fld>
             <a:endParaRPr lang="en-US"/>
           </a:p>
@@ -2124,7 +2124,7 @@
           <a:p>
             <a:fld id="{13AB114A-89FD-4544-A40B-4EAEBEB5F2F1}" type="datetimeFigureOut">
               <a:rPr lang="en-US" smtClean="0"/>
-              <a:t>2/26/2020</a:t>
+              <a:t>4/13/2020</a:t>
             </a:fld>
             <a:endParaRPr lang="en-US"/>
           </a:p>
@@ -2435,7 +2435,7 @@
           <a:p>
             <a:fld id="{13AB114A-89FD-4544-A40B-4EAEBEB5F2F1}" type="datetimeFigureOut">
               <a:rPr lang="en-US" smtClean="0"/>
-              <a:t>2/26/2020</a:t>
+              <a:t>4/13/2020</a:t>
             </a:fld>
             <a:endParaRPr lang="en-US"/>
           </a:p>
@@ -2723,7 +2723,7 @@
           <a:p>
             <a:fld id="{13AB114A-89FD-4544-A40B-4EAEBEB5F2F1}" type="datetimeFigureOut">
               <a:rPr lang="en-US" smtClean="0"/>
-              <a:t>2/26/2020</a:t>
+              <a:t>4/13/2020</a:t>
             </a:fld>
             <a:endParaRPr lang="en-US"/>
           </a:p>
@@ -2964,7 +2964,7 @@
           <a:p>
             <a:fld id="{13AB114A-89FD-4544-A40B-4EAEBEB5F2F1}" type="datetimeFigureOut">
               <a:rPr lang="en-US" smtClean="0"/>
-              <a:t>2/26/2020</a:t>
+              <a:t>4/13/2020</a:t>
             </a:fld>
             <a:endParaRPr lang="en-US"/>
           </a:p>
@@ -5595,6 +5595,14 @@
               <a:rPr lang="vi-VN" dirty="0"/>
               <a:t>Tuple</a:t>
             </a:r>
+            <a:endParaRPr lang="en-US" dirty="0"/>
+          </a:p>
+          <a:p>
+            <a:r>
+              <a:rPr lang="en-US" dirty="0"/>
+              <a:t>Set</a:t>
+            </a:r>
+            <a:endParaRPr lang="vi-VN" dirty="0"/>
           </a:p>
           <a:p>
             <a:r>
@@ -8419,11 +8427,27 @@
             </a:r>
             <a:r>
               <a:rPr lang="en-US" dirty="0"/>
-              <a:t> = {“Rina”: 1, “Minami”: 2, “</a:t>
-            </a:r>
-            <a:r>
-              <a:rPr lang="en-US" dirty="0" err="1"/>
-              <a:t>Miku</a:t>
+              <a:t> = {“</a:t>
+            </a:r>
+            <a:r>
+              <a:rPr lang="en-US" dirty="0" err="1"/>
+              <a:t>cho</a:t>
+            </a:r>
+            <a:r>
+              <a:rPr lang="en-US" dirty="0"/>
+              <a:t>”: 1, “</a:t>
+            </a:r>
+            <a:r>
+              <a:rPr lang="en-US" dirty="0" err="1"/>
+              <a:t>lon</a:t>
+            </a:r>
+            <a:r>
+              <a:rPr lang="en-US" dirty="0"/>
+              <a:t>”: 2, “</a:t>
+            </a:r>
+            <a:r>
+              <a:rPr lang="en-US" dirty="0" err="1"/>
+              <a:t>meo</a:t>
             </a:r>
             <a:r>
               <a:rPr lang="en-US" dirty="0"/>
@@ -8446,11 +8470,27 @@
             </a:r>
             <a:r>
               <a:rPr lang="en-US" dirty="0"/>
-              <a:t>(Rina=1, Minami=2, </a:t>
-            </a:r>
-            <a:r>
-              <a:rPr lang="en-US" dirty="0" err="1"/>
-              <a:t>Miku</a:t>
+              <a:t>(</a:t>
+            </a:r>
+            <a:r>
+              <a:rPr lang="en-US" dirty="0" err="1"/>
+              <a:t>cho</a:t>
+            </a:r>
+            <a:r>
+              <a:rPr lang="en-US" dirty="0"/>
+              <a:t>=1, </a:t>
+            </a:r>
+            <a:r>
+              <a:rPr lang="en-US" dirty="0" err="1"/>
+              <a:t>lon</a:t>
+            </a:r>
+            <a:r>
+              <a:rPr lang="en-US" dirty="0"/>
+              <a:t>=2, </a:t>
+            </a:r>
+            <a:r>
+              <a:rPr lang="en-US" dirty="0" err="1"/>
+              <a:t>meo</a:t>
             </a:r>
             <a:r>
               <a:rPr lang="en-US" dirty="0"/>
@@ -8577,11 +8617,27 @@
             </a:r>
             <a:r>
               <a:rPr lang="en-US" dirty="0"/>
-              <a:t> = {“Rina”: 1, “Minami”: 2, “</a:t>
-            </a:r>
-            <a:r>
-              <a:rPr lang="en-US" dirty="0" err="1"/>
-              <a:t>Miku</a:t>
+              <a:t> = {“</a:t>
+            </a:r>
+            <a:r>
+              <a:rPr lang="en-US" dirty="0" err="1"/>
+              <a:t>cho</a:t>
+            </a:r>
+            <a:r>
+              <a:rPr lang="en-US" dirty="0"/>
+              <a:t>”: 1, “</a:t>
+            </a:r>
+            <a:r>
+              <a:rPr lang="en-US" dirty="0" err="1"/>
+              <a:t>lon</a:t>
+            </a:r>
+            <a:r>
+              <a:rPr lang="en-US" dirty="0"/>
+              <a:t>”: 2, “</a:t>
+            </a:r>
+            <a:r>
+              <a:rPr lang="en-US" dirty="0" err="1"/>
+              <a:t>meo</a:t>
             </a:r>
             <a:r>
               <a:rPr lang="en-US" dirty="0"/>
@@ -8595,7 +8651,15 @@
             </a:r>
             <a:r>
               <a:rPr lang="en-US" dirty="0"/>
-              <a:t>[“Rina”]</a:t>
+              <a:t>[“</a:t>
+            </a:r>
+            <a:r>
+              <a:rPr lang="en-US" dirty="0" err="1"/>
+              <a:t>cho</a:t>
+            </a:r>
+            <a:r>
+              <a:rPr lang="en-US" dirty="0"/>
+              <a:t>”]</a:t>
             </a:r>
             <a:r>
               <a:rPr lang="en-US" dirty="0">
@@ -8615,7 +8679,19 @@
               <a:rPr lang="en-US" dirty="0">
                 <a:sym typeface="Wingdings" panose="05000000000000000000" pitchFamily="2" charset="2"/>
               </a:rPr>
-              <a:t>[“Rina”]=2</a:t>
+              <a:t>[“</a:t>
+            </a:r>
+            <a:r>
+              <a:rPr lang="en-US" dirty="0" err="1">
+                <a:sym typeface="Wingdings" panose="05000000000000000000" pitchFamily="2" charset="2"/>
+              </a:rPr>
+              <a:t>lon</a:t>
+            </a:r>
+            <a:r>
+              <a:rPr lang="en-US" dirty="0">
+                <a:sym typeface="Wingdings" panose="05000000000000000000" pitchFamily="2" charset="2"/>
+              </a:rPr>
+              <a:t>”]=2</a:t>
             </a:r>
           </a:p>
           <a:p>
@@ -8635,7 +8711,19 @@
               <a:rPr lang="en-US" dirty="0">
                 <a:sym typeface="Wingdings" panose="05000000000000000000" pitchFamily="2" charset="2"/>
               </a:rPr>
-              <a:t>[“Rina”]</a:t>
+              <a:t>[“</a:t>
+            </a:r>
+            <a:r>
+              <a:rPr lang="en-US" dirty="0" err="1">
+                <a:sym typeface="Wingdings" panose="05000000000000000000" pitchFamily="2" charset="2"/>
+              </a:rPr>
+              <a:t>meo</a:t>
+            </a:r>
+            <a:r>
+              <a:rPr lang="en-US" dirty="0">
+                <a:sym typeface="Wingdings" panose="05000000000000000000" pitchFamily="2" charset="2"/>
+              </a:rPr>
+              <a:t>”]</a:t>
             </a:r>
           </a:p>
           <a:p>

--- a/Lecture/[01]PythonCoban.pptx
+++ b/Lecture/[01]PythonCoban.pptx
@@ -314,7 +314,7 @@
           <a:p>
             <a:fld id="{13AB114A-89FD-4544-A40B-4EAEBEB5F2F1}" type="datetimeFigureOut">
               <a:rPr lang="en-US" smtClean="0"/>
-              <a:t>4/13/2020</a:t>
+              <a:t>4/16/2020</a:t>
             </a:fld>
             <a:endParaRPr lang="en-US"/>
           </a:p>
@@ -512,7 +512,7 @@
           <a:p>
             <a:fld id="{13AB114A-89FD-4544-A40B-4EAEBEB5F2F1}" type="datetimeFigureOut">
               <a:rPr lang="en-US" smtClean="0"/>
-              <a:t>4/13/2020</a:t>
+              <a:t>4/16/2020</a:t>
             </a:fld>
             <a:endParaRPr lang="en-US"/>
           </a:p>
@@ -720,7 +720,7 @@
           <a:p>
             <a:fld id="{13AB114A-89FD-4544-A40B-4EAEBEB5F2F1}" type="datetimeFigureOut">
               <a:rPr lang="en-US" smtClean="0"/>
-              <a:t>4/13/2020</a:t>
+              <a:t>4/16/2020</a:t>
             </a:fld>
             <a:endParaRPr lang="en-US"/>
           </a:p>
@@ -918,7 +918,7 @@
           <a:p>
             <a:fld id="{13AB114A-89FD-4544-A40B-4EAEBEB5F2F1}" type="datetimeFigureOut">
               <a:rPr lang="en-US" smtClean="0"/>
-              <a:t>4/13/2020</a:t>
+              <a:t>4/16/2020</a:t>
             </a:fld>
             <a:endParaRPr lang="en-US"/>
           </a:p>
@@ -1193,7 +1193,7 @@
           <a:p>
             <a:fld id="{13AB114A-89FD-4544-A40B-4EAEBEB5F2F1}" type="datetimeFigureOut">
               <a:rPr lang="en-US" smtClean="0"/>
-              <a:t>4/13/2020</a:t>
+              <a:t>4/16/2020</a:t>
             </a:fld>
             <a:endParaRPr lang="en-US"/>
           </a:p>
@@ -1458,7 +1458,7 @@
           <a:p>
             <a:fld id="{13AB114A-89FD-4544-A40B-4EAEBEB5F2F1}" type="datetimeFigureOut">
               <a:rPr lang="en-US" smtClean="0"/>
-              <a:t>4/13/2020</a:t>
+              <a:t>4/16/2020</a:t>
             </a:fld>
             <a:endParaRPr lang="en-US"/>
           </a:p>
@@ -1870,7 +1870,7 @@
           <a:p>
             <a:fld id="{13AB114A-89FD-4544-A40B-4EAEBEB5F2F1}" type="datetimeFigureOut">
               <a:rPr lang="en-US" smtClean="0"/>
-              <a:t>4/13/2020</a:t>
+              <a:t>4/16/2020</a:t>
             </a:fld>
             <a:endParaRPr lang="en-US"/>
           </a:p>
@@ -2011,7 +2011,7 @@
           <a:p>
             <a:fld id="{13AB114A-89FD-4544-A40B-4EAEBEB5F2F1}" type="datetimeFigureOut">
               <a:rPr lang="en-US" smtClean="0"/>
-              <a:t>4/13/2020</a:t>
+              <a:t>4/16/2020</a:t>
             </a:fld>
             <a:endParaRPr lang="en-US"/>
           </a:p>
@@ -2124,7 +2124,7 @@
           <a:p>
             <a:fld id="{13AB114A-89FD-4544-A40B-4EAEBEB5F2F1}" type="datetimeFigureOut">
               <a:rPr lang="en-US" smtClean="0"/>
-              <a:t>4/13/2020</a:t>
+              <a:t>4/16/2020</a:t>
             </a:fld>
             <a:endParaRPr lang="en-US"/>
           </a:p>
@@ -2435,7 +2435,7 @@
           <a:p>
             <a:fld id="{13AB114A-89FD-4544-A40B-4EAEBEB5F2F1}" type="datetimeFigureOut">
               <a:rPr lang="en-US" smtClean="0"/>
-              <a:t>4/13/2020</a:t>
+              <a:t>4/16/2020</a:t>
             </a:fld>
             <a:endParaRPr lang="en-US"/>
           </a:p>
@@ -2723,7 +2723,7 @@
           <a:p>
             <a:fld id="{13AB114A-89FD-4544-A40B-4EAEBEB5F2F1}" type="datetimeFigureOut">
               <a:rPr lang="en-US" smtClean="0"/>
-              <a:t>4/13/2020</a:t>
+              <a:t>4/16/2020</a:t>
             </a:fld>
             <a:endParaRPr lang="en-US"/>
           </a:p>
@@ -2964,7 +2964,7 @@
           <a:p>
             <a:fld id="{13AB114A-89FD-4544-A40B-4EAEBEB5F2F1}" type="datetimeFigureOut">
               <a:rPr lang="en-US" smtClean="0"/>
-              <a:t>4/13/2020</a:t>
+              <a:t>4/16/2020</a:t>
             </a:fld>
             <a:endParaRPr lang="en-US"/>
           </a:p>
@@ -5710,7 +5710,7 @@
             </a:pPr>
             <a:r>
               <a:rPr lang="vi-VN" dirty="0"/>
-              <a:t>	VD: userName=“acb”, id=113</a:t>
+              <a:t>	VD: id=113</a:t>
             </a:r>
           </a:p>
           <a:p>
@@ -6653,7 +6653,15 @@
           <a:p>
             <a:r>
               <a:rPr lang="vi-VN" dirty="0"/>
-              <a:t>Tương tự như mảng trong (C/C++), dùng để lưu trữ 1 mảng các dữ liệu thườn là có liên quan nhau.</a:t>
+              <a:t>Tương tự như mảng trong (C/C++), dùng để lưu trữ 1 mảng các dữ liệu thườn</a:t>
+            </a:r>
+            <a:r>
+              <a:rPr lang="en-US" dirty="0"/>
+              <a:t>g</a:t>
+            </a:r>
+            <a:r>
+              <a:rPr lang="vi-VN" dirty="0"/>
+              <a:t> là có liên quan nhau.</a:t>
             </a:r>
           </a:p>
           <a:p>
@@ -9567,7 +9575,7 @@
             </a:r>
             <a:r>
               <a:rPr lang="en-US" dirty="0" err="1"/>
-              <a:t>bẳng</a:t>
+              <a:t>bằng</a:t>
             </a:r>
             <a:r>
               <a:rPr lang="en-US" dirty="0"/>
@@ -9706,11 +9714,13 @@
             </a:pPr>
             <a:r>
               <a:rPr lang="en-US" dirty="0"/>
-              <a:t>Else:</a:t>
-            </a:r>
-          </a:p>
-          <a:p>
-            <a:pPr lvl="1"/>
+              <a:t>else:</a:t>
+            </a:r>
+          </a:p>
+          <a:p>
+            <a:pPr marL="457200" lvl="1" indent="0">
+              <a:buNone/>
+            </a:pPr>
             <a:r>
               <a:rPr lang="en-US" dirty="0"/>
               <a:t>Do C</a:t>
@@ -10013,7 +10023,7 @@
               <a:rPr lang="en-US" dirty="0">
                 <a:sym typeface="Wingdings" panose="05000000000000000000" pitchFamily="2" charset="2"/>
               </a:rPr>
-              <a:t> 1,2,3,4</a:t>
+              <a:t> 0,1,2,3,4</a:t>
             </a:r>
           </a:p>
           <a:p>
@@ -10234,7 +10244,7 @@
             </a:pPr>
             <a:r>
               <a:rPr lang="en-US" dirty="0"/>
-              <a:t>	x++</a:t>
+              <a:t>	x+=1</a:t>
             </a:r>
           </a:p>
           <a:p>
@@ -12275,21 +12285,10 @@
           <a:lstStyle/>
           <a:p>
             <a:r>
-              <a:rPr lang="en-US" dirty="0" err="1"/>
-              <a:t>Tự</a:t>
-            </a:r>
-            <a:r>
-              <a:rPr lang="en-US" dirty="0"/>
-              <a:t> </a:t>
-            </a:r>
-            <a:r>
-              <a:rPr lang="en-US" dirty="0" err="1"/>
-              <a:t>tạo</a:t>
-            </a:r>
-            <a:r>
-              <a:rPr lang="en-US" dirty="0"/>
-              <a:t> module</a:t>
-            </a:r>
+              <a:rPr lang="en-US"/>
+              <a:t>Tự tạo module</a:t>
+            </a:r>
+            <a:endParaRPr lang="en-US" dirty="0"/>
           </a:p>
         </p:txBody>
       </p:sp>

--- a/Lecture/[01]PythonCoban.pptx
+++ b/Lecture/[01]PythonCoban.pptx
@@ -314,7 +314,7 @@
           <a:p>
             <a:fld id="{13AB114A-89FD-4544-A40B-4EAEBEB5F2F1}" type="datetimeFigureOut">
               <a:rPr lang="en-US" smtClean="0"/>
-              <a:t>4/13/2020</a:t>
+              <a:t>8/16/2020</a:t>
             </a:fld>
             <a:endParaRPr lang="en-US"/>
           </a:p>
@@ -512,7 +512,7 @@
           <a:p>
             <a:fld id="{13AB114A-89FD-4544-A40B-4EAEBEB5F2F1}" type="datetimeFigureOut">
               <a:rPr lang="en-US" smtClean="0"/>
-              <a:t>4/13/2020</a:t>
+              <a:t>8/16/2020</a:t>
             </a:fld>
             <a:endParaRPr lang="en-US"/>
           </a:p>
@@ -720,7 +720,7 @@
           <a:p>
             <a:fld id="{13AB114A-89FD-4544-A40B-4EAEBEB5F2F1}" type="datetimeFigureOut">
               <a:rPr lang="en-US" smtClean="0"/>
-              <a:t>4/13/2020</a:t>
+              <a:t>8/16/2020</a:t>
             </a:fld>
             <a:endParaRPr lang="en-US"/>
           </a:p>
@@ -918,7 +918,7 @@
           <a:p>
             <a:fld id="{13AB114A-89FD-4544-A40B-4EAEBEB5F2F1}" type="datetimeFigureOut">
               <a:rPr lang="en-US" smtClean="0"/>
-              <a:t>4/13/2020</a:t>
+              <a:t>8/16/2020</a:t>
             </a:fld>
             <a:endParaRPr lang="en-US"/>
           </a:p>
@@ -1193,7 +1193,7 @@
           <a:p>
             <a:fld id="{13AB114A-89FD-4544-A40B-4EAEBEB5F2F1}" type="datetimeFigureOut">
               <a:rPr lang="en-US" smtClean="0"/>
-              <a:t>4/13/2020</a:t>
+              <a:t>8/16/2020</a:t>
             </a:fld>
             <a:endParaRPr lang="en-US"/>
           </a:p>
@@ -1458,7 +1458,7 @@
           <a:p>
             <a:fld id="{13AB114A-89FD-4544-A40B-4EAEBEB5F2F1}" type="datetimeFigureOut">
               <a:rPr lang="en-US" smtClean="0"/>
-              <a:t>4/13/2020</a:t>
+              <a:t>8/16/2020</a:t>
             </a:fld>
             <a:endParaRPr lang="en-US"/>
           </a:p>
@@ -1870,7 +1870,7 @@
           <a:p>
             <a:fld id="{13AB114A-89FD-4544-A40B-4EAEBEB5F2F1}" type="datetimeFigureOut">
               <a:rPr lang="en-US" smtClean="0"/>
-              <a:t>4/13/2020</a:t>
+              <a:t>8/16/2020</a:t>
             </a:fld>
             <a:endParaRPr lang="en-US"/>
           </a:p>
@@ -2011,7 +2011,7 @@
           <a:p>
             <a:fld id="{13AB114A-89FD-4544-A40B-4EAEBEB5F2F1}" type="datetimeFigureOut">
               <a:rPr lang="en-US" smtClean="0"/>
-              <a:t>4/13/2020</a:t>
+              <a:t>8/16/2020</a:t>
             </a:fld>
             <a:endParaRPr lang="en-US"/>
           </a:p>
@@ -2124,7 +2124,7 @@
           <a:p>
             <a:fld id="{13AB114A-89FD-4544-A40B-4EAEBEB5F2F1}" type="datetimeFigureOut">
               <a:rPr lang="en-US" smtClean="0"/>
-              <a:t>4/13/2020</a:t>
+              <a:t>8/16/2020</a:t>
             </a:fld>
             <a:endParaRPr lang="en-US"/>
           </a:p>
@@ -2435,7 +2435,7 @@
           <a:p>
             <a:fld id="{13AB114A-89FD-4544-A40B-4EAEBEB5F2F1}" type="datetimeFigureOut">
               <a:rPr lang="en-US" smtClean="0"/>
-              <a:t>4/13/2020</a:t>
+              <a:t>8/16/2020</a:t>
             </a:fld>
             <a:endParaRPr lang="en-US"/>
           </a:p>
@@ -2723,7 +2723,7 @@
           <a:p>
             <a:fld id="{13AB114A-89FD-4544-A40B-4EAEBEB5F2F1}" type="datetimeFigureOut">
               <a:rPr lang="en-US" smtClean="0"/>
-              <a:t>4/13/2020</a:t>
+              <a:t>8/16/2020</a:t>
             </a:fld>
             <a:endParaRPr lang="en-US"/>
           </a:p>
@@ -2964,7 +2964,7 @@
           <a:p>
             <a:fld id="{13AB114A-89FD-4544-A40B-4EAEBEB5F2F1}" type="datetimeFigureOut">
               <a:rPr lang="en-US" smtClean="0"/>
-              <a:t>4/13/2020</a:t>
+              <a:t>8/16/2020</a:t>
             </a:fld>
             <a:endParaRPr lang="en-US"/>
           </a:p>
@@ -6653,7 +6653,15 @@
           <a:p>
             <a:r>
               <a:rPr lang="vi-VN" dirty="0"/>
-              <a:t>Tương tự như mảng trong (C/C++), dùng để lưu trữ 1 mảng các dữ liệu thườn là có liên quan nhau.</a:t>
+              <a:t>Tương tự như mảng trong (C/C++), dùng để lưu trữ 1 mảng các dữ liệu thườn</a:t>
+            </a:r>
+            <a:r>
+              <a:rPr lang="en-US" dirty="0"/>
+              <a:t>g</a:t>
+            </a:r>
+            <a:r>
+              <a:rPr lang="vi-VN" dirty="0"/>
+              <a:t> là có liên quan nhau.</a:t>
             </a:r>
           </a:p>
           <a:p>
@@ -9706,14 +9714,7 @@
             </a:pPr>
             <a:r>
               <a:rPr lang="en-US" dirty="0"/>
-              <a:t>Else:</a:t>
-            </a:r>
-          </a:p>
-          <a:p>
-            <a:pPr lvl="1"/>
-            <a:r>
-              <a:rPr lang="en-US" dirty="0"/>
-              <a:t>Do C</a:t>
+              <a:t>else: do C</a:t>
             </a:r>
           </a:p>
         </p:txBody>
@@ -10233,9 +10234,10 @@
               <a:buNone/>
             </a:pPr>
             <a:r>
-              <a:rPr lang="en-US" dirty="0"/>
-              <a:t>	x++</a:t>
-            </a:r>
+              <a:rPr lang="en-US"/>
+              <a:t>	x+=1</a:t>
+            </a:r>
+            <a:endParaRPr lang="en-US" dirty="0"/>
           </a:p>
           <a:p>
             <a:pPr marL="457200" lvl="1" indent="0">
